--- a/CSE101/SLIDE/CSE-101_Lec-10.pptx
+++ b/CSE101/SLIDE/CSE-101_Lec-10.pptx
@@ -269,7 +269,7 @@
           <a:p>
             <a:fld id="{A20397AB-5B1C-4015-A281-5A6F624CDA28}" type="datetimeFigureOut">
               <a:rPr lang="en-US" smtClean="0"/>
-              <a:t>6/27/2022</a:t>
+              <a:t>6/29/2022</a:t>
             </a:fld>
             <a:endParaRPr lang="en-US"/>
           </a:p>
@@ -467,7 +467,7 @@
           <a:p>
             <a:fld id="{A20397AB-5B1C-4015-A281-5A6F624CDA28}" type="datetimeFigureOut">
               <a:rPr lang="en-US" smtClean="0"/>
-              <a:t>6/27/2022</a:t>
+              <a:t>6/29/2022</a:t>
             </a:fld>
             <a:endParaRPr lang="en-US"/>
           </a:p>
@@ -675,7 +675,7 @@
           <a:p>
             <a:fld id="{A20397AB-5B1C-4015-A281-5A6F624CDA28}" type="datetimeFigureOut">
               <a:rPr lang="en-US" smtClean="0"/>
-              <a:t>6/27/2022</a:t>
+              <a:t>6/29/2022</a:t>
             </a:fld>
             <a:endParaRPr lang="en-US"/>
           </a:p>
@@ -873,7 +873,7 @@
           <a:p>
             <a:fld id="{A20397AB-5B1C-4015-A281-5A6F624CDA28}" type="datetimeFigureOut">
               <a:rPr lang="en-US" smtClean="0"/>
-              <a:t>6/27/2022</a:t>
+              <a:t>6/29/2022</a:t>
             </a:fld>
             <a:endParaRPr lang="en-US"/>
           </a:p>
@@ -1148,7 +1148,7 @@
           <a:p>
             <a:fld id="{A20397AB-5B1C-4015-A281-5A6F624CDA28}" type="datetimeFigureOut">
               <a:rPr lang="en-US" smtClean="0"/>
-              <a:t>6/27/2022</a:t>
+              <a:t>6/29/2022</a:t>
             </a:fld>
             <a:endParaRPr lang="en-US"/>
           </a:p>
@@ -1413,7 +1413,7 @@
           <a:p>
             <a:fld id="{A20397AB-5B1C-4015-A281-5A6F624CDA28}" type="datetimeFigureOut">
               <a:rPr lang="en-US" smtClean="0"/>
-              <a:t>6/27/2022</a:t>
+              <a:t>6/29/2022</a:t>
             </a:fld>
             <a:endParaRPr lang="en-US"/>
           </a:p>
@@ -1825,7 +1825,7 @@
           <a:p>
             <a:fld id="{A20397AB-5B1C-4015-A281-5A6F624CDA28}" type="datetimeFigureOut">
               <a:rPr lang="en-US" smtClean="0"/>
-              <a:t>6/27/2022</a:t>
+              <a:t>6/29/2022</a:t>
             </a:fld>
             <a:endParaRPr lang="en-US"/>
           </a:p>
@@ -1966,7 +1966,7 @@
           <a:p>
             <a:fld id="{A20397AB-5B1C-4015-A281-5A6F624CDA28}" type="datetimeFigureOut">
               <a:rPr lang="en-US" smtClean="0"/>
-              <a:t>6/27/2022</a:t>
+              <a:t>6/29/2022</a:t>
             </a:fld>
             <a:endParaRPr lang="en-US"/>
           </a:p>
@@ -2079,7 +2079,7 @@
           <a:p>
             <a:fld id="{A20397AB-5B1C-4015-A281-5A6F624CDA28}" type="datetimeFigureOut">
               <a:rPr lang="en-US" smtClean="0"/>
-              <a:t>6/27/2022</a:t>
+              <a:t>6/29/2022</a:t>
             </a:fld>
             <a:endParaRPr lang="en-US"/>
           </a:p>
@@ -2390,7 +2390,7 @@
           <a:p>
             <a:fld id="{A20397AB-5B1C-4015-A281-5A6F624CDA28}" type="datetimeFigureOut">
               <a:rPr lang="en-US" smtClean="0"/>
-              <a:t>6/27/2022</a:t>
+              <a:t>6/29/2022</a:t>
             </a:fld>
             <a:endParaRPr lang="en-US"/>
           </a:p>
@@ -2678,7 +2678,7 @@
           <a:p>
             <a:fld id="{A20397AB-5B1C-4015-A281-5A6F624CDA28}" type="datetimeFigureOut">
               <a:rPr lang="en-US" smtClean="0"/>
-              <a:t>6/27/2022</a:t>
+              <a:t>6/29/2022</a:t>
             </a:fld>
             <a:endParaRPr lang="en-US"/>
           </a:p>
@@ -2919,7 +2919,7 @@
           <a:p>
             <a:fld id="{A20397AB-5B1C-4015-A281-5A6F624CDA28}" type="datetimeFigureOut">
               <a:rPr lang="en-US" smtClean="0"/>
-              <a:t>6/27/2022</a:t>
+              <a:t>6/29/2022</a:t>
             </a:fld>
             <a:endParaRPr lang="en-US"/>
           </a:p>
@@ -3371,177 +3371,6 @@
           </a:p>
         </p:txBody>
       </p:sp>
-      <p:sp>
-        <p:nvSpPr>
-          <p:cNvPr id="2051" name="TextBox 3">
-            <a:extLst>
-              <a:ext uri="{FF2B5EF4-FFF2-40B4-BE49-F238E27FC236}">
-                <a16:creationId xmlns:a16="http://schemas.microsoft.com/office/drawing/2014/main" id="{1F1356FE-5735-4372-A557-2B664BC36FA2}"/>
-              </a:ext>
-            </a:extLst>
-          </p:cNvPr>
-          <p:cNvSpPr txBox="1">
-            <a:spLocks noChangeArrowheads="1"/>
-          </p:cNvSpPr>
-          <p:nvPr/>
-        </p:nvSpPr>
-        <p:spPr bwMode="auto">
-          <a:xfrm>
-            <a:off x="4211639" y="6296026"/>
-            <a:ext cx="6599237" cy="276225"/>
-          </a:xfrm>
-          <a:prstGeom prst="rect">
-            <a:avLst/>
-          </a:prstGeom>
-          <a:noFill/>
-          <a:ln>
-            <a:noFill/>
-          </a:ln>
-          <a:extLst>
-            <a:ext uri="{909E8E84-426E-40DD-AFC4-6F175D3DCCD1}">
-              <a14:hiddenFill xmlns:a14="http://schemas.microsoft.com/office/drawing/2010/main">
-                <a:solidFill>
-                  <a:srgbClr val="FFFFFF"/>
-                </a:solidFill>
-              </a14:hiddenFill>
-            </a:ext>
-            <a:ext uri="{91240B29-F687-4F45-9708-019B960494DF}">
-              <a14:hiddenLine xmlns:a14="http://schemas.microsoft.com/office/drawing/2010/main" w="9525">
-                <a:solidFill>
-                  <a:srgbClr val="000000"/>
-                </a:solidFill>
-                <a:miter lim="800000"/>
-                <a:headEnd/>
-                <a:tailEnd/>
-              </a14:hiddenLine>
-            </a:ext>
-          </a:extLst>
-        </p:spPr>
-        <p:txBody>
-          <a:bodyPr wrap="none">
-            <a:spAutoFit/>
-          </a:bodyPr>
-          <a:lstStyle>
-            <a:lvl1pPr>
-              <a:defRPr kumimoji="1">
-                <a:solidFill>
-                  <a:schemeClr val="tx1"/>
-                </a:solidFill>
-                <a:latin typeface="굴림" panose="020B0503020000020004" pitchFamily="34" charset="-127"/>
-                <a:ea typeface="굴림" panose="020B0503020000020004" pitchFamily="34" charset="-127"/>
-              </a:defRPr>
-            </a:lvl1pPr>
-            <a:lvl2pPr marL="742950" indent="-285750">
-              <a:defRPr kumimoji="1">
-                <a:solidFill>
-                  <a:schemeClr val="tx1"/>
-                </a:solidFill>
-                <a:latin typeface="굴림" panose="020B0503020000020004" pitchFamily="34" charset="-127"/>
-                <a:ea typeface="굴림" panose="020B0503020000020004" pitchFamily="34" charset="-127"/>
-              </a:defRPr>
-            </a:lvl2pPr>
-            <a:lvl3pPr marL="1143000" indent="-228600">
-              <a:defRPr kumimoji="1">
-                <a:solidFill>
-                  <a:schemeClr val="tx1"/>
-                </a:solidFill>
-                <a:latin typeface="굴림" panose="020B0503020000020004" pitchFamily="34" charset="-127"/>
-                <a:ea typeface="굴림" panose="020B0503020000020004" pitchFamily="34" charset="-127"/>
-              </a:defRPr>
-            </a:lvl3pPr>
-            <a:lvl4pPr marL="1600200" indent="-228600">
-              <a:defRPr kumimoji="1">
-                <a:solidFill>
-                  <a:schemeClr val="tx1"/>
-                </a:solidFill>
-                <a:latin typeface="굴림" panose="020B0503020000020004" pitchFamily="34" charset="-127"/>
-                <a:ea typeface="굴림" panose="020B0503020000020004" pitchFamily="34" charset="-127"/>
-              </a:defRPr>
-            </a:lvl4pPr>
-            <a:lvl5pPr marL="2057400" indent="-228600">
-              <a:defRPr kumimoji="1">
-                <a:solidFill>
-                  <a:schemeClr val="tx1"/>
-                </a:solidFill>
-                <a:latin typeface="굴림" panose="020B0503020000020004" pitchFamily="34" charset="-127"/>
-                <a:ea typeface="굴림" panose="020B0503020000020004" pitchFamily="34" charset="-127"/>
-              </a:defRPr>
-            </a:lvl5pPr>
-            <a:lvl6pPr marL="2514600" indent="-228600" eaLnBrk="0" fontAlgn="base" hangingPunct="0">
-              <a:spcBef>
-                <a:spcPct val="0"/>
-              </a:spcBef>
-              <a:spcAft>
-                <a:spcPct val="0"/>
-              </a:spcAft>
-              <a:defRPr kumimoji="1">
-                <a:solidFill>
-                  <a:schemeClr val="tx1"/>
-                </a:solidFill>
-                <a:latin typeface="굴림" panose="020B0503020000020004" pitchFamily="34" charset="-127"/>
-                <a:ea typeface="굴림" panose="020B0503020000020004" pitchFamily="34" charset="-127"/>
-              </a:defRPr>
-            </a:lvl6pPr>
-            <a:lvl7pPr marL="2971800" indent="-228600" eaLnBrk="0" fontAlgn="base" hangingPunct="0">
-              <a:spcBef>
-                <a:spcPct val="0"/>
-              </a:spcBef>
-              <a:spcAft>
-                <a:spcPct val="0"/>
-              </a:spcAft>
-              <a:defRPr kumimoji="1">
-                <a:solidFill>
-                  <a:schemeClr val="tx1"/>
-                </a:solidFill>
-                <a:latin typeface="굴림" panose="020B0503020000020004" pitchFamily="34" charset="-127"/>
-                <a:ea typeface="굴림" panose="020B0503020000020004" pitchFamily="34" charset="-127"/>
-              </a:defRPr>
-            </a:lvl7pPr>
-            <a:lvl8pPr marL="3429000" indent="-228600" eaLnBrk="0" fontAlgn="base" hangingPunct="0">
-              <a:spcBef>
-                <a:spcPct val="0"/>
-              </a:spcBef>
-              <a:spcAft>
-                <a:spcPct val="0"/>
-              </a:spcAft>
-              <a:defRPr kumimoji="1">
-                <a:solidFill>
-                  <a:schemeClr val="tx1"/>
-                </a:solidFill>
-                <a:latin typeface="굴림" panose="020B0503020000020004" pitchFamily="34" charset="-127"/>
-                <a:ea typeface="굴림" panose="020B0503020000020004" pitchFamily="34" charset="-127"/>
-              </a:defRPr>
-            </a:lvl8pPr>
-            <a:lvl9pPr marL="3886200" indent="-228600" eaLnBrk="0" fontAlgn="base" hangingPunct="0">
-              <a:spcBef>
-                <a:spcPct val="0"/>
-              </a:spcBef>
-              <a:spcAft>
-                <a:spcPct val="0"/>
-              </a:spcAft>
-              <a:defRPr kumimoji="1">
-                <a:solidFill>
-                  <a:schemeClr val="tx1"/>
-                </a:solidFill>
-                <a:latin typeface="굴림" panose="020B0503020000020004" pitchFamily="34" charset="-127"/>
-                <a:ea typeface="굴림" panose="020B0503020000020004" pitchFamily="34" charset="-127"/>
-              </a:defRPr>
-            </a:lvl9pPr>
-          </a:lstStyle>
-          <a:p>
-            <a:pPr eaLnBrk="1" latinLnBrk="1" hangingPunct="1"/>
-            <a:r>
-              <a:rPr lang="en-US" altLang="ko-KR" sz="1200">
-                <a:cs typeface="Arial" panose="020B0604020202020204" pitchFamily="34" charset="0"/>
-              </a:rPr>
-              <a:t>Lecture notes : courtesy of Ohio Supercomputing Center, science and technolgy support</a:t>
-            </a:r>
-            <a:endParaRPr lang="ko-KR" altLang="en-US" sz="1200">
-              <a:cs typeface="Arial" panose="020B0604020202020204" pitchFamily="34" charset="0"/>
-            </a:endParaRPr>
-          </a:p>
-        </p:txBody>
-      </p:sp>
     </p:spTree>
   </p:cSld>
   <p:clrMapOvr>
